--- a/software_version_control/02_VersionCont_Lab.pptx
+++ b/software_version_control/02_VersionCont_Lab.pptx
@@ -128,6 +128,10 @@
     </p:ext>
   </p:extLst>
 </p:presentation>
+</file>
+
+<file path=ppt/revisionInfo.xml><?xml version="1.0" encoding="utf-8"?>
+<p1510:revInfo xmlns:a="http://schemas.openxmlformats.org/drawingml/2006/main" xmlns:r="http://schemas.openxmlformats.org/officeDocument/2006/relationships" xmlns:p1510="http://schemas.microsoft.com/office/powerpoint/2015/10/main"/>
 </file>
 
 <file path=ppt/notesMasters/notesMaster1.xml><?xml version="1.0" encoding="utf-8"?>
@@ -2957,6 +2961,107 @@
               <a:rPr lang="en-US" dirty="0"/>
               <a:t>clone this forked repo to your laptop or desktop</a:t>
             </a:r>
+          </a:p>
+          <a:p>
+            <a:pPr lvl="2"/>
+            <a:r>
+              <a:rPr lang="en-US" dirty="0"/>
+              <a:t>it is compatible with Python 3.5 and 2.7</a:t>
+            </a:r>
+          </a:p>
+          <a:p>
+            <a:pPr lvl="2"/>
+            <a:r>
+              <a:rPr lang="en-US" dirty="0"/>
+              <a:t>you may have to do the following:</a:t>
+            </a:r>
+          </a:p>
+          <a:p>
+            <a:pPr marL="914400" lvl="2" indent="0">
+              <a:buNone/>
+            </a:pPr>
+            <a:r>
+              <a:rPr lang="en-US" b="0" dirty="0">
+                <a:solidFill>
+                  <a:schemeClr val="tx1"/>
+                </a:solidFill>
+                <a:latin typeface="Courier New" panose="02070309020205020404" pitchFamily="49" charset="0"/>
+                <a:cs typeface="Courier New" panose="02070309020205020404" pitchFamily="49" charset="0"/>
+              </a:rPr>
+              <a:t>  $ pip install pykern</a:t>
+            </a:r>
+          </a:p>
+          <a:p>
+            <a:pPr marL="914400" lvl="2" indent="0">
+              <a:buNone/>
+            </a:pPr>
+            <a:r>
+              <a:rPr lang="en-US" b="0" dirty="0">
+                <a:solidFill>
+                  <a:schemeClr val="tx1"/>
+                </a:solidFill>
+                <a:latin typeface="Courier New" panose="02070309020205020404" pitchFamily="49" charset="0"/>
+                <a:cs typeface="Courier New" panose="02070309020205020404" pitchFamily="49" charset="0"/>
+              </a:rPr>
+              <a:t>  $ cd rsbeams/</a:t>
+            </a:r>
+          </a:p>
+          <a:p>
+            <a:pPr marL="914400" lvl="2" indent="0">
+              <a:buNone/>
+            </a:pPr>
+            <a:r>
+              <a:rPr lang="en-US" b="0" dirty="0">
+                <a:solidFill>
+                  <a:schemeClr val="tx1"/>
+                </a:solidFill>
+                <a:latin typeface="Courier New" panose="02070309020205020404" pitchFamily="49" charset="0"/>
+                <a:cs typeface="Courier New" panose="02070309020205020404" pitchFamily="49" charset="0"/>
+              </a:rPr>
+              <a:t>  $ python setup.py install</a:t>
+            </a:r>
+          </a:p>
+          <a:p>
+            <a:pPr marL="914400" lvl="2" indent="0">
+              <a:buNone/>
+            </a:pPr>
+            <a:r>
+              <a:rPr lang="en-US" b="0" dirty="0">
+                <a:solidFill>
+                  <a:schemeClr val="tx1"/>
+                </a:solidFill>
+                <a:latin typeface="Courier New" panose="02070309020205020404" pitchFamily="49" charset="0"/>
+                <a:cs typeface="Courier New" panose="02070309020205020404" pitchFamily="49" charset="0"/>
+              </a:rPr>
+              <a:t>  $ cd test/</a:t>
+            </a:r>
+          </a:p>
+          <a:p>
+            <a:pPr marL="914400" lvl="2" indent="0">
+              <a:buNone/>
+            </a:pPr>
+            <a:r>
+              <a:rPr lang="en-US" b="0" dirty="0">
+                <a:solidFill>
+                  <a:schemeClr val="tx1"/>
+                </a:solidFill>
+                <a:latin typeface="Courier New" panose="02070309020205020404" pitchFamily="49" charset="0"/>
+                <a:cs typeface="Courier New" panose="02070309020205020404" pitchFamily="49" charset="0"/>
+              </a:rPr>
+              <a:t>  $ pytest</a:t>
+            </a:r>
+          </a:p>
+          <a:p>
+            <a:pPr marL="914400" lvl="2" indent="0">
+              <a:buNone/>
+            </a:pPr>
+            <a:endParaRPr lang="en-US" b="0" dirty="0">
+              <a:solidFill>
+                <a:schemeClr val="tx1"/>
+              </a:solidFill>
+              <a:latin typeface="Courier New" panose="02070309020205020404" pitchFamily="49" charset="0"/>
+              <a:cs typeface="Courier New" panose="02070309020205020404" pitchFamily="49" charset="0"/>
+            </a:endParaRPr>
           </a:p>
           <a:p>
             <a:pPr lvl="1"/>
